--- a/FinalProjectPresentation.pptx
+++ b/FinalProjectPresentation.pptx
@@ -9,9 +9,21 @@
     <p:sldId id="257" r:id="rId3"/>
     <p:sldId id="258" r:id="rId4"/>
     <p:sldId id="259" r:id="rId5"/>
-    <p:sldId id="260" r:id="rId6"/>
-    <p:sldId id="261" r:id="rId7"/>
-    <p:sldId id="262" r:id="rId8"/>
+    <p:sldId id="264" r:id="rId6"/>
+    <p:sldId id="265" r:id="rId7"/>
+    <p:sldId id="277" r:id="rId8"/>
+    <p:sldId id="278" r:id="rId9"/>
+    <p:sldId id="266" r:id="rId10"/>
+    <p:sldId id="267" r:id="rId11"/>
+    <p:sldId id="268" r:id="rId12"/>
+    <p:sldId id="269" r:id="rId13"/>
+    <p:sldId id="270" r:id="rId14"/>
+    <p:sldId id="271" r:id="rId15"/>
+    <p:sldId id="272" r:id="rId16"/>
+    <p:sldId id="273" r:id="rId17"/>
+    <p:sldId id="274" r:id="rId18"/>
+    <p:sldId id="275" r:id="rId19"/>
+    <p:sldId id="262" r:id="rId20"/>
   </p:sldIdLst>
   <p:sldSz cx="9144000" cy="6858000" type="screen4x3"/>
   <p:notesSz cx="6858000" cy="9144000"/>
@@ -3128,6 +3140,1390 @@
 </p:sld>
 </file>
 
+<file path=ppt/slides/slide10.xml><?xml version="1.0" encoding="utf-8"?>
+<p:sld xmlns:a="http://schemas.openxmlformats.org/drawingml/2006/main" xmlns:r="http://schemas.openxmlformats.org/officeDocument/2006/relationships" xmlns:p="http://schemas.openxmlformats.org/presentationml/2006/main">
+  <p:cSld>
+    <p:spTree>
+      <p:nvGrpSpPr>
+        <p:cNvPr id="1" name=""/>
+        <p:cNvGrpSpPr/>
+        <p:nvPr/>
+      </p:nvGrpSpPr>
+      <p:grpSpPr>
+        <a:xfrm>
+          <a:off x="0" y="0"/>
+          <a:ext cx="0" cy="0"/>
+          <a:chOff x="0" y="0"/>
+          <a:chExt cx="0" cy="0"/>
+        </a:xfrm>
+      </p:grpSpPr>
+      <p:sp>
+        <p:nvSpPr>
+          <p:cNvPr id="6145" name="Rectangle 1"/>
+          <p:cNvSpPr>
+            <a:spLocks noGrp="1" noChangeArrowheads="1"/>
+          </p:cNvSpPr>
+          <p:nvPr>
+            <p:ph type="title"/>
+          </p:nvPr>
+        </p:nvSpPr>
+        <p:spPr/>
+        <p:txBody>
+          <a:bodyPr lIns="0" tIns="0" rIns="0" bIns="0" anchor="t"/>
+          <a:lstStyle/>
+          <a:p>
+            <a:pPr>
+              <a:lnSpc>
+                <a:spcPct val="95000"/>
+              </a:lnSpc>
+            </a:pPr>
+            <a:r>
+              <a:rPr lang="en-US" altLang="zh-CN" sz="3900" dirty="0">
+                <a:solidFill>
+                  <a:srgbClr val="000000"/>
+                </a:solidFill>
+                <a:latin typeface="Arial" charset="0"/>
+                <a:ea typeface="宋体" charset="-122"/>
+              </a:rPr>
+              <a:t>Don't Repeat </a:t>
+            </a:r>
+            <a:r>
+              <a:rPr lang="en-US" altLang="zh-CN" sz="3900" dirty="0" smtClean="0">
+                <a:solidFill>
+                  <a:srgbClr val="000000"/>
+                </a:solidFill>
+                <a:latin typeface="Arial" charset="0"/>
+                <a:ea typeface="宋体" charset="-122"/>
+              </a:rPr>
+              <a:t>Yourself </a:t>
+            </a:r>
+            <a:r>
+              <a:rPr lang="en-US" altLang="zh-CN" sz="3900" dirty="0">
+                <a:solidFill>
+                  <a:srgbClr val="000000"/>
+                </a:solidFill>
+                <a:latin typeface="Arial" charset="0"/>
+                <a:ea typeface="宋体" charset="-122"/>
+              </a:rPr>
+              <a:t>Principle</a:t>
+            </a:r>
+          </a:p>
+        </p:txBody>
+      </p:sp>
+      <p:sp>
+        <p:nvSpPr>
+          <p:cNvPr id="6146" name="Rectangle 2"/>
+          <p:cNvSpPr>
+            <a:spLocks noGrp="1" noChangeArrowheads="1"/>
+          </p:cNvSpPr>
+          <p:nvPr>
+            <p:ph idx="1"/>
+          </p:nvPr>
+        </p:nvSpPr>
+        <p:spPr/>
+        <p:txBody>
+          <a:bodyPr lIns="0" tIns="0" rIns="0" bIns="0"/>
+          <a:lstStyle/>
+          <a:p>
+            <a:pPr marL="411480" lvl="1" indent="-308610">
+              <a:lnSpc>
+                <a:spcPct val="95000"/>
+              </a:lnSpc>
+              <a:spcBef>
+                <a:spcPct val="0"/>
+              </a:spcBef>
+              <a:buClr>
+                <a:srgbClr val="000000"/>
+              </a:buClr>
+              <a:buFontTx/>
+              <a:buChar char="•"/>
+            </a:pPr>
+            <a:r>
+              <a:rPr lang="en-US" altLang="zh-CN" sz="2400" dirty="0" smtClean="0">
+                <a:solidFill>
+                  <a:srgbClr val="000000"/>
+                </a:solidFill>
+                <a:latin typeface="Arial" charset="0"/>
+                <a:ea typeface="宋体" charset="-122"/>
+              </a:rPr>
+              <a:t>Our </a:t>
+            </a:r>
+            <a:r>
+              <a:rPr lang="en-US" altLang="zh-CN" sz="2400" dirty="0">
+                <a:solidFill>
+                  <a:srgbClr val="000000"/>
+                </a:solidFill>
+                <a:latin typeface="Arial" charset="0"/>
+                <a:ea typeface="宋体" charset="-122"/>
+              </a:rPr>
+              <a:t>framework is DRY</a:t>
+            </a:r>
+            <a:endParaRPr lang="en-US" altLang="zh-CN" dirty="0">
+              <a:ea typeface="宋体" charset="-122"/>
+            </a:endParaRPr>
+          </a:p>
+          <a:p>
+            <a:pPr marL="411480" lvl="1" indent="-308610">
+              <a:lnSpc>
+                <a:spcPct val="95000"/>
+              </a:lnSpc>
+              <a:spcBef>
+                <a:spcPct val="0"/>
+              </a:spcBef>
+              <a:buClr>
+                <a:srgbClr val="000000"/>
+              </a:buClr>
+              <a:buFontTx/>
+              <a:buChar char="•"/>
+            </a:pPr>
+            <a:r>
+              <a:rPr lang="en-US" altLang="zh-CN" sz="2400" dirty="0" smtClean="0">
+                <a:solidFill>
+                  <a:srgbClr val="000000"/>
+                </a:solidFill>
+                <a:latin typeface="Arial" charset="0"/>
+                <a:ea typeface="宋体" charset="-122"/>
+              </a:rPr>
+              <a:t>Our </a:t>
+            </a:r>
+            <a:r>
+              <a:rPr lang="en-US" altLang="zh-CN" sz="2400" dirty="0">
+                <a:solidFill>
+                  <a:srgbClr val="000000"/>
+                </a:solidFill>
+                <a:latin typeface="Arial" charset="0"/>
+                <a:ea typeface="宋体" charset="-122"/>
+              </a:rPr>
+              <a:t>applications are DRY</a:t>
+            </a:r>
+            <a:endParaRPr lang="en-US" altLang="zh-CN" dirty="0">
+              <a:ea typeface="宋体" charset="-122"/>
+            </a:endParaRPr>
+          </a:p>
+          <a:p>
+            <a:pPr marL="411480" lvl="1" indent="-308610">
+              <a:lnSpc>
+                <a:spcPct val="95000"/>
+              </a:lnSpc>
+              <a:spcBef>
+                <a:spcPct val="0"/>
+              </a:spcBef>
+              <a:buClr>
+                <a:srgbClr val="000000"/>
+              </a:buClr>
+              <a:buFontTx/>
+              <a:buChar char="•"/>
+            </a:pPr>
+            <a:r>
+              <a:rPr lang="en-US" altLang="zh-CN" sz="2400" dirty="0" smtClean="0">
+                <a:solidFill>
+                  <a:srgbClr val="000000"/>
+                </a:solidFill>
+                <a:latin typeface="Arial" charset="0"/>
+                <a:ea typeface="宋体" charset="-122"/>
+              </a:rPr>
+              <a:t>Our application deployment </a:t>
+            </a:r>
+            <a:r>
+              <a:rPr lang="en-US" altLang="zh-CN" sz="2400" dirty="0">
+                <a:solidFill>
+                  <a:srgbClr val="000000"/>
+                </a:solidFill>
+                <a:latin typeface="Arial" charset="0"/>
+                <a:ea typeface="宋体" charset="-122"/>
+              </a:rPr>
+              <a:t>also is DRY </a:t>
+            </a:r>
+          </a:p>
+        </p:txBody>
+      </p:sp>
+    </p:spTree>
+  </p:cSld>
+  <p:clrMapOvr>
+    <a:masterClrMapping/>
+  </p:clrMapOvr>
+</p:sld>
+</file>
+
+<file path=ppt/slides/slide11.xml><?xml version="1.0" encoding="utf-8"?>
+<p:sld xmlns:a="http://schemas.openxmlformats.org/drawingml/2006/main" xmlns:r="http://schemas.openxmlformats.org/officeDocument/2006/relationships" xmlns:p="http://schemas.openxmlformats.org/presentationml/2006/main">
+  <p:cSld>
+    <p:spTree>
+      <p:nvGrpSpPr>
+        <p:cNvPr id="1" name=""/>
+        <p:cNvGrpSpPr/>
+        <p:nvPr/>
+      </p:nvGrpSpPr>
+      <p:grpSpPr>
+        <a:xfrm>
+          <a:off x="0" y="0"/>
+          <a:ext cx="0" cy="0"/>
+          <a:chOff x="0" y="0"/>
+          <a:chExt cx="0" cy="0"/>
+        </a:xfrm>
+      </p:grpSpPr>
+      <p:sp>
+        <p:nvSpPr>
+          <p:cNvPr id="7169" name="Rectangle 1"/>
+          <p:cNvSpPr>
+            <a:spLocks noGrp="1" noChangeArrowheads="1"/>
+          </p:cNvSpPr>
+          <p:nvPr>
+            <p:ph type="title"/>
+          </p:nvPr>
+        </p:nvSpPr>
+        <p:spPr/>
+        <p:txBody>
+          <a:bodyPr lIns="0" tIns="0" rIns="0" bIns="0" anchor="t"/>
+          <a:lstStyle/>
+          <a:p>
+            <a:pPr>
+              <a:lnSpc>
+                <a:spcPct val="95000"/>
+              </a:lnSpc>
+            </a:pPr>
+            <a:r>
+              <a:rPr lang="en-US" altLang="zh-CN" sz="3900" dirty="0">
+                <a:solidFill>
+                  <a:srgbClr val="000000"/>
+                </a:solidFill>
+                <a:latin typeface="Arial" charset="0"/>
+                <a:ea typeface="宋体" charset="-122"/>
+              </a:rPr>
+              <a:t>Open-Closed Principle</a:t>
+            </a:r>
+          </a:p>
+        </p:txBody>
+      </p:sp>
+      <p:sp>
+        <p:nvSpPr>
+          <p:cNvPr id="7170" name="Rectangle 2"/>
+          <p:cNvSpPr>
+            <a:spLocks noGrp="1" noChangeArrowheads="1"/>
+          </p:cNvSpPr>
+          <p:nvPr>
+            <p:ph idx="1"/>
+          </p:nvPr>
+        </p:nvSpPr>
+        <p:spPr/>
+        <p:txBody>
+          <a:bodyPr lIns="0" tIns="0" rIns="0" bIns="0"/>
+          <a:lstStyle/>
+          <a:p>
+            <a:pPr marL="411480" lvl="1" indent="-308610">
+              <a:lnSpc>
+                <a:spcPct val="95000"/>
+              </a:lnSpc>
+              <a:spcBef>
+                <a:spcPct val="0"/>
+              </a:spcBef>
+              <a:buClr>
+                <a:srgbClr val="000000"/>
+              </a:buClr>
+              <a:buFontTx/>
+              <a:buChar char="•"/>
+            </a:pPr>
+            <a:r>
+              <a:rPr lang="en-US" altLang="zh-CN" sz="2400" dirty="0">
+                <a:solidFill>
+                  <a:srgbClr val="000000"/>
+                </a:solidFill>
+                <a:latin typeface="Arial" charset="0"/>
+                <a:ea typeface="宋体" charset="-122"/>
+              </a:rPr>
+              <a:t>Applications</a:t>
+            </a:r>
+            <a:endParaRPr lang="en-US" altLang="zh-CN" dirty="0">
+              <a:ea typeface="宋体" charset="-122"/>
+            </a:endParaRPr>
+          </a:p>
+          <a:p>
+            <a:pPr marL="411480" lvl="1" indent="-308610">
+              <a:lnSpc>
+                <a:spcPct val="95000"/>
+              </a:lnSpc>
+              <a:spcBef>
+                <a:spcPct val="0"/>
+              </a:spcBef>
+              <a:buClr>
+                <a:srgbClr val="000000"/>
+              </a:buClr>
+              <a:buFontTx/>
+              <a:buChar char="•"/>
+            </a:pPr>
+            <a:r>
+              <a:rPr lang="en-US" altLang="zh-CN" sz="2400" dirty="0">
+                <a:solidFill>
+                  <a:srgbClr val="000000"/>
+                </a:solidFill>
+                <a:latin typeface="Arial" charset="0"/>
+                <a:ea typeface="宋体" charset="-122"/>
+              </a:rPr>
+              <a:t>Field type in framework</a:t>
+            </a:r>
+          </a:p>
+        </p:txBody>
+      </p:sp>
+    </p:spTree>
+  </p:cSld>
+  <p:clrMapOvr>
+    <a:masterClrMapping/>
+  </p:clrMapOvr>
+</p:sld>
+</file>
+
+<file path=ppt/slides/slide12.xml><?xml version="1.0" encoding="utf-8"?>
+<p:sld xmlns:a="http://schemas.openxmlformats.org/drawingml/2006/main" xmlns:r="http://schemas.openxmlformats.org/officeDocument/2006/relationships" xmlns:p="http://schemas.openxmlformats.org/presentationml/2006/main">
+  <p:cSld>
+    <p:spTree>
+      <p:nvGrpSpPr>
+        <p:cNvPr id="1" name=""/>
+        <p:cNvGrpSpPr/>
+        <p:nvPr/>
+      </p:nvGrpSpPr>
+      <p:grpSpPr>
+        <a:xfrm>
+          <a:off x="0" y="0"/>
+          <a:ext cx="0" cy="0"/>
+          <a:chOff x="0" y="0"/>
+          <a:chExt cx="0" cy="0"/>
+        </a:xfrm>
+      </p:grpSpPr>
+      <p:sp>
+        <p:nvSpPr>
+          <p:cNvPr id="8193" name="Rectangle 1"/>
+          <p:cNvSpPr>
+            <a:spLocks noGrp="1" noChangeArrowheads="1"/>
+          </p:cNvSpPr>
+          <p:nvPr>
+            <p:ph type="title"/>
+          </p:nvPr>
+        </p:nvSpPr>
+        <p:spPr/>
+        <p:txBody>
+          <a:bodyPr lIns="0" tIns="0" rIns="0" bIns="0" anchor="t"/>
+          <a:lstStyle/>
+          <a:p>
+            <a:pPr>
+              <a:lnSpc>
+                <a:spcPct val="95000"/>
+              </a:lnSpc>
+            </a:pPr>
+            <a:r>
+              <a:rPr lang="en-US" altLang="zh-CN" sz="3900" dirty="0">
+                <a:solidFill>
+                  <a:srgbClr val="000000"/>
+                </a:solidFill>
+                <a:latin typeface="Arial" charset="0"/>
+                <a:ea typeface="宋体" charset="-122"/>
+              </a:rPr>
+              <a:t>Single Responsibility Principle</a:t>
+            </a:r>
+          </a:p>
+        </p:txBody>
+      </p:sp>
+      <p:sp>
+        <p:nvSpPr>
+          <p:cNvPr id="8194" name="Rectangle 2"/>
+          <p:cNvSpPr>
+            <a:spLocks noGrp="1" noChangeArrowheads="1"/>
+          </p:cNvSpPr>
+          <p:nvPr>
+            <p:ph idx="1"/>
+          </p:nvPr>
+        </p:nvSpPr>
+        <p:spPr/>
+        <p:txBody>
+          <a:bodyPr lIns="0" tIns="0" rIns="0" bIns="0"/>
+          <a:lstStyle/>
+          <a:p>
+            <a:pPr marL="0" indent="0">
+              <a:lnSpc>
+                <a:spcPct val="95000"/>
+              </a:lnSpc>
+              <a:spcBef>
+                <a:spcPct val="0"/>
+              </a:spcBef>
+            </a:pPr>
+            <a:r>
+              <a:rPr lang="en-US" sz="2400" dirty="0" smtClean="0"/>
+              <a:t>Method</a:t>
+            </a:r>
+          </a:p>
+          <a:p>
+            <a:pPr marL="0" indent="0">
+              <a:lnSpc>
+                <a:spcPct val="95000"/>
+              </a:lnSpc>
+              <a:spcBef>
+                <a:spcPct val="0"/>
+              </a:spcBef>
+            </a:pPr>
+            <a:r>
+              <a:rPr lang="en-US" sz="2400" dirty="0" smtClean="0"/>
+              <a:t>Class</a:t>
+            </a:r>
+          </a:p>
+          <a:p>
+            <a:pPr marL="0" indent="0">
+              <a:lnSpc>
+                <a:spcPct val="95000"/>
+              </a:lnSpc>
+              <a:spcBef>
+                <a:spcPct val="0"/>
+              </a:spcBef>
+            </a:pPr>
+            <a:r>
+              <a:rPr lang="en-US" sz="2400" dirty="0" smtClean="0"/>
+              <a:t>P</a:t>
+            </a:r>
+            <a:r>
+              <a:rPr lang="en-US" sz="2400" dirty="0" smtClean="0"/>
+              <a:t>ackage</a:t>
+            </a:r>
+          </a:p>
+          <a:p>
+            <a:pPr marL="0" indent="0">
+              <a:lnSpc>
+                <a:spcPct val="95000"/>
+              </a:lnSpc>
+              <a:spcBef>
+                <a:spcPct val="0"/>
+              </a:spcBef>
+            </a:pPr>
+            <a:r>
+              <a:rPr lang="en-US" sz="2400" dirty="0" smtClean="0"/>
+              <a:t>C</a:t>
+            </a:r>
+            <a:r>
+              <a:rPr lang="en-US" sz="2400" dirty="0" smtClean="0"/>
+              <a:t>omponent</a:t>
+            </a:r>
+            <a:endParaRPr lang="en-US" altLang="zh-CN" sz="2400" dirty="0">
+              <a:solidFill>
+                <a:srgbClr val="000000"/>
+              </a:solidFill>
+              <a:latin typeface="Arial" charset="0"/>
+              <a:ea typeface="宋体" charset="-122"/>
+            </a:endParaRPr>
+          </a:p>
+        </p:txBody>
+      </p:sp>
+    </p:spTree>
+  </p:cSld>
+  <p:clrMapOvr>
+    <a:masterClrMapping/>
+  </p:clrMapOvr>
+</p:sld>
+</file>
+
+<file path=ppt/slides/slide13.xml><?xml version="1.0" encoding="utf-8"?>
+<p:sld xmlns:a="http://schemas.openxmlformats.org/drawingml/2006/main" xmlns:r="http://schemas.openxmlformats.org/officeDocument/2006/relationships" xmlns:p="http://schemas.openxmlformats.org/presentationml/2006/main">
+  <p:cSld>
+    <p:spTree>
+      <p:nvGrpSpPr>
+        <p:cNvPr id="1" name=""/>
+        <p:cNvGrpSpPr/>
+        <p:nvPr/>
+      </p:nvGrpSpPr>
+      <p:grpSpPr>
+        <a:xfrm>
+          <a:off x="0" y="0"/>
+          <a:ext cx="0" cy="0"/>
+          <a:chOff x="0" y="0"/>
+          <a:chExt cx="0" cy="0"/>
+        </a:xfrm>
+      </p:grpSpPr>
+      <p:sp>
+        <p:nvSpPr>
+          <p:cNvPr id="9217" name="Rectangle 1"/>
+          <p:cNvSpPr>
+            <a:spLocks noGrp="1" noChangeArrowheads="1"/>
+          </p:cNvSpPr>
+          <p:nvPr>
+            <p:ph type="title"/>
+          </p:nvPr>
+        </p:nvSpPr>
+        <p:spPr/>
+        <p:txBody>
+          <a:bodyPr lIns="0" tIns="0" rIns="0" bIns="0" anchor="t"/>
+          <a:lstStyle/>
+          <a:p>
+            <a:pPr>
+              <a:lnSpc>
+                <a:spcPct val="95000"/>
+              </a:lnSpc>
+            </a:pPr>
+            <a:r>
+              <a:rPr lang="en-US" altLang="zh-CN" sz="3900" dirty="0">
+                <a:solidFill>
+                  <a:srgbClr val="000000"/>
+                </a:solidFill>
+                <a:latin typeface="Arial" charset="0"/>
+                <a:ea typeface="宋体" charset="-122"/>
+              </a:rPr>
+              <a:t>Design Patterns</a:t>
+            </a:r>
+          </a:p>
+        </p:txBody>
+      </p:sp>
+      <p:sp>
+        <p:nvSpPr>
+          <p:cNvPr id="9218" name="Rectangle 2"/>
+          <p:cNvSpPr>
+            <a:spLocks noGrp="1" noChangeArrowheads="1"/>
+          </p:cNvSpPr>
+          <p:nvPr>
+            <p:ph idx="1"/>
+          </p:nvPr>
+        </p:nvSpPr>
+        <p:spPr/>
+        <p:txBody>
+          <a:bodyPr lIns="0" tIns="0" rIns="0" bIns="0"/>
+          <a:lstStyle/>
+          <a:p>
+            <a:pPr marL="411480" lvl="1" indent="-308610">
+              <a:lnSpc>
+                <a:spcPct val="95000"/>
+              </a:lnSpc>
+              <a:spcBef>
+                <a:spcPct val="0"/>
+              </a:spcBef>
+              <a:buClr>
+                <a:srgbClr val="000000"/>
+              </a:buClr>
+              <a:buFontTx/>
+              <a:buChar char="•"/>
+            </a:pPr>
+            <a:r>
+              <a:rPr lang="en-US" altLang="zh-CN" sz="2400" dirty="0">
+                <a:solidFill>
+                  <a:srgbClr val="000000"/>
+                </a:solidFill>
+                <a:latin typeface="Arial" charset="0"/>
+                <a:ea typeface="宋体" charset="-122"/>
+              </a:rPr>
+              <a:t>MVC design pattern</a:t>
+            </a:r>
+            <a:endParaRPr lang="en-US" altLang="zh-CN" dirty="0">
+              <a:ea typeface="宋体" charset="-122"/>
+            </a:endParaRPr>
+          </a:p>
+          <a:p>
+            <a:pPr marL="411480" lvl="1" indent="-308610">
+              <a:lnSpc>
+                <a:spcPct val="95000"/>
+              </a:lnSpc>
+              <a:spcBef>
+                <a:spcPct val="0"/>
+              </a:spcBef>
+              <a:buClr>
+                <a:srgbClr val="000000"/>
+              </a:buClr>
+              <a:buFontTx/>
+              <a:buChar char="•"/>
+            </a:pPr>
+            <a:r>
+              <a:rPr lang="en-US" altLang="zh-CN" sz="2400" dirty="0">
+                <a:solidFill>
+                  <a:srgbClr val="000000"/>
+                </a:solidFill>
+                <a:latin typeface="Arial" charset="0"/>
+                <a:ea typeface="宋体" charset="-122"/>
+              </a:rPr>
+              <a:t>Observers pattern</a:t>
+            </a:r>
+            <a:endParaRPr lang="en-US" altLang="zh-CN" dirty="0">
+              <a:ea typeface="宋体" charset="-122"/>
+            </a:endParaRPr>
+          </a:p>
+          <a:p>
+            <a:pPr marL="411480" lvl="1" indent="-308610">
+              <a:lnSpc>
+                <a:spcPct val="95000"/>
+              </a:lnSpc>
+              <a:spcBef>
+                <a:spcPct val="0"/>
+              </a:spcBef>
+              <a:buClr>
+                <a:srgbClr val="000000"/>
+              </a:buClr>
+              <a:buFontTx/>
+              <a:buChar char="•"/>
+            </a:pPr>
+            <a:r>
+              <a:rPr lang="en-US" altLang="zh-CN" sz="2400" dirty="0">
+                <a:solidFill>
+                  <a:srgbClr val="000000"/>
+                </a:solidFill>
+                <a:latin typeface="Arial" charset="0"/>
+                <a:ea typeface="宋体" charset="-122"/>
+              </a:rPr>
+              <a:t>Object Adapter </a:t>
+            </a:r>
+          </a:p>
+        </p:txBody>
+      </p:sp>
+    </p:spTree>
+  </p:cSld>
+  <p:clrMapOvr>
+    <a:masterClrMapping/>
+  </p:clrMapOvr>
+</p:sld>
+</file>
+
+<file path=ppt/slides/slide14.xml><?xml version="1.0" encoding="utf-8"?>
+<p:sld xmlns:a="http://schemas.openxmlformats.org/drawingml/2006/main" xmlns:r="http://schemas.openxmlformats.org/officeDocument/2006/relationships" xmlns:p="http://schemas.openxmlformats.org/presentationml/2006/main">
+  <p:cSld>
+    <p:spTree>
+      <p:nvGrpSpPr>
+        <p:cNvPr id="1" name=""/>
+        <p:cNvGrpSpPr/>
+        <p:nvPr/>
+      </p:nvGrpSpPr>
+      <p:grpSpPr>
+        <a:xfrm>
+          <a:off x="0" y="0"/>
+          <a:ext cx="0" cy="0"/>
+          <a:chOff x="0" y="0"/>
+          <a:chExt cx="0" cy="0"/>
+        </a:xfrm>
+      </p:grpSpPr>
+      <p:sp>
+        <p:nvSpPr>
+          <p:cNvPr id="10241" name="Rectangle 1"/>
+          <p:cNvSpPr>
+            <a:spLocks noGrp="1" noChangeArrowheads="1"/>
+          </p:cNvSpPr>
+          <p:nvPr>
+            <p:ph type="title"/>
+          </p:nvPr>
+        </p:nvSpPr>
+        <p:spPr/>
+        <p:txBody>
+          <a:bodyPr lIns="0" tIns="0" rIns="0" bIns="0" anchor="t">
+            <a:normAutofit/>
+          </a:bodyPr>
+          <a:lstStyle/>
+          <a:p>
+            <a:pPr>
+              <a:lnSpc>
+                <a:spcPct val="95000"/>
+              </a:lnSpc>
+            </a:pPr>
+            <a:r>
+              <a:rPr lang="en-US" altLang="zh-CN" sz="3900" dirty="0">
+                <a:solidFill>
+                  <a:srgbClr val="000000"/>
+                </a:solidFill>
+                <a:latin typeface="Arial" charset="0"/>
+                <a:ea typeface="宋体" charset="-122"/>
+              </a:rPr>
+              <a:t>Test Cases for Sensible PHP Framework</a:t>
+            </a:r>
+          </a:p>
+        </p:txBody>
+      </p:sp>
+      <p:pic>
+        <p:nvPicPr>
+          <p:cNvPr id="1028" name="Picture 4"/>
+          <p:cNvPicPr>
+            <a:picLocks noGrp="1" noChangeAspect="1" noChangeArrowheads="1"/>
+          </p:cNvPicPr>
+          <p:nvPr>
+            <p:ph idx="1"/>
+          </p:nvPr>
+        </p:nvPicPr>
+        <p:blipFill>
+          <a:blip r:embed="rId2"/>
+          <a:srcRect/>
+          <a:stretch>
+            <a:fillRect/>
+          </a:stretch>
+        </p:blipFill>
+        <p:spPr bwMode="auto">
+          <a:xfrm>
+            <a:off x="457200" y="3199504"/>
+            <a:ext cx="8229600" cy="1327355"/>
+          </a:xfrm>
+          <a:prstGeom prst="rect">
+            <a:avLst/>
+          </a:prstGeom>
+          <a:noFill/>
+          <a:ln w="9525">
+            <a:noFill/>
+            <a:miter lim="800000"/>
+            <a:headEnd/>
+            <a:tailEnd/>
+          </a:ln>
+          <a:effectLst/>
+        </p:spPr>
+      </p:pic>
+    </p:spTree>
+  </p:cSld>
+  <p:clrMapOvr>
+    <a:masterClrMapping/>
+  </p:clrMapOvr>
+  <p:timing>
+    <p:tnLst>
+      <p:par>
+        <p:cTn id="1" dur="indefinite" restart="never" nodeType="tmRoot"/>
+      </p:par>
+    </p:tnLst>
+  </p:timing>
+</p:sld>
+</file>
+
+<file path=ppt/slides/slide15.xml><?xml version="1.0" encoding="utf-8"?>
+<p:sld xmlns:a="http://schemas.openxmlformats.org/drawingml/2006/main" xmlns:r="http://schemas.openxmlformats.org/officeDocument/2006/relationships" xmlns:p="http://schemas.openxmlformats.org/presentationml/2006/main">
+  <p:cSld>
+    <p:spTree>
+      <p:nvGrpSpPr>
+        <p:cNvPr id="1" name=""/>
+        <p:cNvGrpSpPr/>
+        <p:nvPr/>
+      </p:nvGrpSpPr>
+      <p:grpSpPr>
+        <a:xfrm>
+          <a:off x="0" y="0"/>
+          <a:ext cx="0" cy="0"/>
+          <a:chOff x="0" y="0"/>
+          <a:chExt cx="0" cy="0"/>
+        </a:xfrm>
+      </p:grpSpPr>
+      <p:sp>
+        <p:nvSpPr>
+          <p:cNvPr id="11265" name="Rectangle 1"/>
+          <p:cNvSpPr>
+            <a:spLocks noGrp="1" noChangeArrowheads="1"/>
+          </p:cNvSpPr>
+          <p:nvPr>
+            <p:ph type="title"/>
+          </p:nvPr>
+        </p:nvSpPr>
+        <p:spPr/>
+        <p:txBody>
+          <a:bodyPr lIns="0" tIns="0" rIns="0" bIns="0" anchor="t"/>
+          <a:lstStyle/>
+          <a:p>
+            <a:pPr>
+              <a:lnSpc>
+                <a:spcPct val="95000"/>
+              </a:lnSpc>
+            </a:pPr>
+            <a:r>
+              <a:rPr lang="en-US" altLang="zh-CN" sz="3900" dirty="0">
+                <a:solidFill>
+                  <a:srgbClr val="000000"/>
+                </a:solidFill>
+                <a:latin typeface="Arial" charset="0"/>
+                <a:ea typeface="宋体" charset="-122"/>
+              </a:rPr>
+              <a:t>Test cases for Sensible Living Applications</a:t>
+            </a:r>
+          </a:p>
+        </p:txBody>
+      </p:sp>
+      <p:pic>
+        <p:nvPicPr>
+          <p:cNvPr id="2051" name="Picture 3"/>
+          <p:cNvPicPr>
+            <a:picLocks noGrp="1" noChangeAspect="1" noChangeArrowheads="1"/>
+          </p:cNvPicPr>
+          <p:nvPr>
+            <p:ph idx="1"/>
+          </p:nvPr>
+        </p:nvPicPr>
+        <p:blipFill>
+          <a:blip r:embed="rId2"/>
+          <a:srcRect/>
+          <a:stretch>
+            <a:fillRect/>
+          </a:stretch>
+        </p:blipFill>
+        <p:spPr bwMode="auto">
+          <a:xfrm>
+            <a:off x="457200" y="3077398"/>
+            <a:ext cx="8229600" cy="1571566"/>
+          </a:xfrm>
+          <a:prstGeom prst="rect">
+            <a:avLst/>
+          </a:prstGeom>
+          <a:noFill/>
+          <a:ln w="9525">
+            <a:noFill/>
+            <a:miter lim="800000"/>
+            <a:headEnd/>
+            <a:tailEnd/>
+          </a:ln>
+          <a:effectLst/>
+        </p:spPr>
+      </p:pic>
+    </p:spTree>
+  </p:cSld>
+  <p:clrMapOvr>
+    <a:masterClrMapping/>
+  </p:clrMapOvr>
+  <p:timing>
+    <p:tnLst>
+      <p:par>
+        <p:cTn id="1" dur="indefinite" restart="never" nodeType="tmRoot"/>
+      </p:par>
+    </p:tnLst>
+  </p:timing>
+</p:sld>
+</file>
+
+<file path=ppt/slides/slide16.xml><?xml version="1.0" encoding="utf-8"?>
+<p:sld xmlns:a="http://schemas.openxmlformats.org/drawingml/2006/main" xmlns:r="http://schemas.openxmlformats.org/officeDocument/2006/relationships" xmlns:p="http://schemas.openxmlformats.org/presentationml/2006/main">
+  <p:cSld>
+    <p:spTree>
+      <p:nvGrpSpPr>
+        <p:cNvPr id="1" name=""/>
+        <p:cNvGrpSpPr/>
+        <p:nvPr/>
+      </p:nvGrpSpPr>
+      <p:grpSpPr>
+        <a:xfrm>
+          <a:off x="0" y="0"/>
+          <a:ext cx="0" cy="0"/>
+          <a:chOff x="0" y="0"/>
+          <a:chExt cx="0" cy="0"/>
+        </a:xfrm>
+      </p:grpSpPr>
+      <p:sp>
+        <p:nvSpPr>
+          <p:cNvPr id="12289" name="Rectangle 1"/>
+          <p:cNvSpPr>
+            <a:spLocks noGrp="1" noChangeArrowheads="1"/>
+          </p:cNvSpPr>
+          <p:nvPr>
+            <p:ph type="title"/>
+          </p:nvPr>
+        </p:nvSpPr>
+        <p:spPr/>
+        <p:txBody>
+          <a:bodyPr lIns="0" tIns="0" rIns="0" bIns="0" anchor="t"/>
+          <a:lstStyle/>
+          <a:p>
+            <a:pPr>
+              <a:lnSpc>
+                <a:spcPct val="95000"/>
+              </a:lnSpc>
+            </a:pPr>
+            <a:r>
+              <a:rPr lang="en-US" altLang="zh-CN" sz="3900" dirty="0">
+                <a:solidFill>
+                  <a:srgbClr val="000000"/>
+                </a:solidFill>
+                <a:latin typeface="Arial" charset="0"/>
+                <a:ea typeface="宋体" charset="-122"/>
+              </a:rPr>
+              <a:t>Test cases for Sensible Living Applications</a:t>
+            </a:r>
+          </a:p>
+        </p:txBody>
+      </p:sp>
+      <p:sp>
+        <p:nvSpPr>
+          <p:cNvPr id="5" name="Content Placeholder 4"/>
+          <p:cNvSpPr>
+            <a:spLocks noGrp="1"/>
+          </p:cNvSpPr>
+          <p:nvPr>
+            <p:ph idx="1"/>
+          </p:nvPr>
+        </p:nvSpPr>
+        <p:spPr/>
+        <p:txBody>
+          <a:bodyPr/>
+          <a:lstStyle/>
+          <a:p>
+            <a:endParaRPr lang="zh-CN" altLang="en-US"/>
+          </a:p>
+        </p:txBody>
+      </p:sp>
+      <p:pic>
+        <p:nvPicPr>
+          <p:cNvPr id="12292" name="Picture 4"/>
+          <p:cNvPicPr>
+            <a:picLocks noChangeAspect="1" noChangeArrowheads="1"/>
+          </p:cNvPicPr>
+          <p:nvPr/>
+        </p:nvPicPr>
+        <p:blipFill>
+          <a:blip r:embed="rId2"/>
+          <a:srcRect/>
+          <a:stretch>
+            <a:fillRect/>
+          </a:stretch>
+        </p:blipFill>
+        <p:spPr bwMode="auto">
+          <a:xfrm>
+            <a:off x="914400" y="1005840"/>
+            <a:ext cx="8229600" cy="4776312"/>
+          </a:xfrm>
+          <a:prstGeom prst="rect">
+            <a:avLst/>
+          </a:prstGeom>
+          <a:noFill/>
+        </p:spPr>
+      </p:pic>
+      <p:pic>
+        <p:nvPicPr>
+          <p:cNvPr id="12293" name="Picture 5"/>
+          <p:cNvPicPr>
+            <a:picLocks noChangeAspect="1" noChangeArrowheads="1"/>
+          </p:cNvPicPr>
+          <p:nvPr/>
+        </p:nvPicPr>
+        <p:blipFill>
+          <a:blip r:embed="rId3"/>
+          <a:srcRect/>
+          <a:stretch>
+            <a:fillRect/>
+          </a:stretch>
+        </p:blipFill>
+        <p:spPr bwMode="auto">
+          <a:xfrm>
+            <a:off x="0" y="4389120"/>
+            <a:ext cx="8229600" cy="2490312"/>
+          </a:xfrm>
+          <a:prstGeom prst="rect">
+            <a:avLst/>
+          </a:prstGeom>
+          <a:noFill/>
+        </p:spPr>
+      </p:pic>
+    </p:spTree>
+  </p:cSld>
+  <p:clrMapOvr>
+    <a:masterClrMapping/>
+  </p:clrMapOvr>
+  <p:timing>
+    <p:tnLst>
+      <p:par>
+        <p:cTn id="1" dur="indefinite" restart="never" nodeType="tmRoot"/>
+      </p:par>
+    </p:tnLst>
+  </p:timing>
+</p:sld>
+</file>
+
+<file path=ppt/slides/slide17.xml><?xml version="1.0" encoding="utf-8"?>
+<p:sld xmlns:a="http://schemas.openxmlformats.org/drawingml/2006/main" xmlns:r="http://schemas.openxmlformats.org/officeDocument/2006/relationships" xmlns:p="http://schemas.openxmlformats.org/presentationml/2006/main">
+  <p:cSld>
+    <p:spTree>
+      <p:nvGrpSpPr>
+        <p:cNvPr id="1" name=""/>
+        <p:cNvGrpSpPr/>
+        <p:nvPr/>
+      </p:nvGrpSpPr>
+      <p:grpSpPr>
+        <a:xfrm>
+          <a:off x="0" y="0"/>
+          <a:ext cx="0" cy="0"/>
+          <a:chOff x="0" y="0"/>
+          <a:chExt cx="0" cy="0"/>
+        </a:xfrm>
+      </p:grpSpPr>
+      <p:sp>
+        <p:nvSpPr>
+          <p:cNvPr id="13313" name="Rectangle 1"/>
+          <p:cNvSpPr>
+            <a:spLocks noGrp="1" noChangeArrowheads="1"/>
+          </p:cNvSpPr>
+          <p:nvPr>
+            <p:ph type="title"/>
+          </p:nvPr>
+        </p:nvSpPr>
+        <p:spPr/>
+        <p:txBody>
+          <a:bodyPr lIns="0" tIns="0" rIns="0" bIns="0" anchor="t"/>
+          <a:lstStyle/>
+          <a:p>
+            <a:pPr>
+              <a:lnSpc>
+                <a:spcPct val="95000"/>
+              </a:lnSpc>
+            </a:pPr>
+            <a:r>
+              <a:rPr lang="en-US" altLang="zh-CN" sz="3900" dirty="0">
+                <a:solidFill>
+                  <a:srgbClr val="000000"/>
+                </a:solidFill>
+                <a:latin typeface="Arial" charset="0"/>
+                <a:ea typeface="宋体" charset="-122"/>
+              </a:rPr>
+              <a:t>Proud</a:t>
+            </a:r>
+          </a:p>
+        </p:txBody>
+      </p:sp>
+      <p:sp>
+        <p:nvSpPr>
+          <p:cNvPr id="13314" name="Rectangle 2"/>
+          <p:cNvSpPr>
+            <a:spLocks noGrp="1" noChangeArrowheads="1"/>
+          </p:cNvSpPr>
+          <p:nvPr>
+            <p:ph idx="1"/>
+          </p:nvPr>
+        </p:nvSpPr>
+        <p:spPr/>
+        <p:txBody>
+          <a:bodyPr lIns="0" tIns="0" rIns="0" bIns="0"/>
+          <a:lstStyle/>
+          <a:p>
+            <a:pPr marL="411480" lvl="1" indent="-308610">
+              <a:lnSpc>
+                <a:spcPct val="95000"/>
+              </a:lnSpc>
+              <a:spcBef>
+                <a:spcPct val="0"/>
+              </a:spcBef>
+              <a:buClr>
+                <a:srgbClr val="000000"/>
+              </a:buClr>
+              <a:buFontTx/>
+              <a:buChar char="•"/>
+            </a:pPr>
+            <a:r>
+              <a:rPr lang="en-US" altLang="zh-CN" sz="2400" dirty="0">
+                <a:solidFill>
+                  <a:srgbClr val="000000"/>
+                </a:solidFill>
+                <a:latin typeface="Arial" charset="0"/>
+                <a:ea typeface="宋体" charset="-122"/>
+              </a:rPr>
+              <a:t>MVC Framework itself</a:t>
+            </a:r>
+            <a:endParaRPr lang="en-US" altLang="zh-CN" dirty="0">
+              <a:ea typeface="宋体" charset="-122"/>
+            </a:endParaRPr>
+          </a:p>
+          <a:p>
+            <a:pPr marL="411480" lvl="1" indent="-308610">
+              <a:lnSpc>
+                <a:spcPct val="95000"/>
+              </a:lnSpc>
+              <a:spcBef>
+                <a:spcPct val="0"/>
+              </a:spcBef>
+              <a:buClr>
+                <a:srgbClr val="000000"/>
+              </a:buClr>
+              <a:buFontTx/>
+              <a:buChar char="•"/>
+            </a:pPr>
+            <a:r>
+              <a:rPr lang="en-US" altLang="zh-CN" sz="2400" dirty="0">
+                <a:solidFill>
+                  <a:srgbClr val="000000"/>
+                </a:solidFill>
+                <a:latin typeface="Arial" charset="0"/>
+                <a:ea typeface="宋体" charset="-122"/>
+              </a:rPr>
+              <a:t>DRY</a:t>
+            </a:r>
+            <a:endParaRPr lang="en-US" altLang="zh-CN" dirty="0">
+              <a:ea typeface="宋体" charset="-122"/>
+            </a:endParaRPr>
+          </a:p>
+          <a:p>
+            <a:pPr marL="411480" lvl="1" indent="-308610">
+              <a:lnSpc>
+                <a:spcPct val="95000"/>
+              </a:lnSpc>
+              <a:spcBef>
+                <a:spcPct val="0"/>
+              </a:spcBef>
+              <a:buClr>
+                <a:srgbClr val="000000"/>
+              </a:buClr>
+              <a:buFontTx/>
+              <a:buChar char="•"/>
+            </a:pPr>
+            <a:r>
+              <a:rPr lang="en-US" altLang="zh-CN" sz="2400" dirty="0">
+                <a:solidFill>
+                  <a:srgbClr val="000000"/>
+                </a:solidFill>
+                <a:latin typeface="Arial" charset="0"/>
+                <a:ea typeface="宋体" charset="-122"/>
+              </a:rPr>
+              <a:t>OCP</a:t>
+            </a:r>
+            <a:endParaRPr lang="en-US" altLang="zh-CN" dirty="0">
+              <a:ea typeface="宋体" charset="-122"/>
+            </a:endParaRPr>
+          </a:p>
+          <a:p>
+            <a:pPr marL="411480" lvl="1" indent="-308610">
+              <a:lnSpc>
+                <a:spcPct val="95000"/>
+              </a:lnSpc>
+              <a:spcBef>
+                <a:spcPct val="0"/>
+              </a:spcBef>
+              <a:buClr>
+                <a:srgbClr val="000000"/>
+              </a:buClr>
+              <a:buFontTx/>
+              <a:buChar char="•"/>
+            </a:pPr>
+            <a:r>
+              <a:rPr lang="en-US" altLang="zh-CN" sz="2400" dirty="0">
+                <a:solidFill>
+                  <a:srgbClr val="000000"/>
+                </a:solidFill>
+                <a:latin typeface="Arial" charset="0"/>
+                <a:ea typeface="宋体" charset="-122"/>
+              </a:rPr>
+              <a:t>Test code coverage and other </a:t>
+            </a:r>
+            <a:r>
+              <a:rPr lang="en-US" altLang="zh-CN" sz="2400" dirty="0" smtClean="0">
+                <a:solidFill>
+                  <a:srgbClr val="000000"/>
+                </a:solidFill>
+                <a:latin typeface="Arial" charset="0"/>
+                <a:ea typeface="宋体" charset="-122"/>
+              </a:rPr>
+              <a:t>matrices</a:t>
+            </a:r>
+            <a:endParaRPr lang="en-US" altLang="zh-CN" sz="2400" dirty="0">
+              <a:solidFill>
+                <a:srgbClr val="000000"/>
+              </a:solidFill>
+              <a:latin typeface="Arial" charset="0"/>
+              <a:ea typeface="宋体" charset="-122"/>
+            </a:endParaRPr>
+          </a:p>
+        </p:txBody>
+      </p:sp>
+    </p:spTree>
+  </p:cSld>
+  <p:clrMapOvr>
+    <a:masterClrMapping/>
+  </p:clrMapOvr>
+</p:sld>
+</file>
+
+<file path=ppt/slides/slide18.xml><?xml version="1.0" encoding="utf-8"?>
+<p:sld xmlns:a="http://schemas.openxmlformats.org/drawingml/2006/main" xmlns:r="http://schemas.openxmlformats.org/officeDocument/2006/relationships" xmlns:p="http://schemas.openxmlformats.org/presentationml/2006/main">
+  <p:cSld>
+    <p:spTree>
+      <p:nvGrpSpPr>
+        <p:cNvPr id="1" name=""/>
+        <p:cNvGrpSpPr/>
+        <p:nvPr/>
+      </p:nvGrpSpPr>
+      <p:grpSpPr>
+        <a:xfrm>
+          <a:off x="0" y="0"/>
+          <a:ext cx="0" cy="0"/>
+          <a:chOff x="0" y="0"/>
+          <a:chExt cx="0" cy="0"/>
+        </a:xfrm>
+      </p:grpSpPr>
+      <p:sp>
+        <p:nvSpPr>
+          <p:cNvPr id="14337" name="Rectangle 1"/>
+          <p:cNvSpPr>
+            <a:spLocks noGrp="1" noChangeArrowheads="1"/>
+          </p:cNvSpPr>
+          <p:nvPr>
+            <p:ph type="title"/>
+          </p:nvPr>
+        </p:nvSpPr>
+        <p:spPr/>
+        <p:txBody>
+          <a:bodyPr lIns="0" tIns="0" rIns="0" bIns="0" anchor="t"/>
+          <a:lstStyle/>
+          <a:p>
+            <a:pPr>
+              <a:lnSpc>
+                <a:spcPct val="95000"/>
+              </a:lnSpc>
+            </a:pPr>
+            <a:r>
+              <a:rPr lang="en-US" altLang="zh-CN" sz="3900" dirty="0">
+                <a:solidFill>
+                  <a:srgbClr val="000000"/>
+                </a:solidFill>
+                <a:latin typeface="Arial" charset="0"/>
+                <a:ea typeface="宋体" charset="-122"/>
+              </a:rPr>
+              <a:t>Not proud</a:t>
+            </a:r>
+          </a:p>
+        </p:txBody>
+      </p:sp>
+      <p:sp>
+        <p:nvSpPr>
+          <p:cNvPr id="14338" name="Rectangle 2"/>
+          <p:cNvSpPr>
+            <a:spLocks noGrp="1" noChangeArrowheads="1"/>
+          </p:cNvSpPr>
+          <p:nvPr>
+            <p:ph idx="1"/>
+          </p:nvPr>
+        </p:nvSpPr>
+        <p:spPr/>
+        <p:txBody>
+          <a:bodyPr lIns="0" tIns="0" rIns="0" bIns="0"/>
+          <a:lstStyle/>
+          <a:p>
+            <a:pPr marL="411480" lvl="1" indent="-308610">
+              <a:lnSpc>
+                <a:spcPct val="95000"/>
+              </a:lnSpc>
+              <a:spcBef>
+                <a:spcPct val="0"/>
+              </a:spcBef>
+              <a:buClr>
+                <a:srgbClr val="000000"/>
+              </a:buClr>
+              <a:buFontTx/>
+              <a:buChar char="•"/>
+            </a:pPr>
+            <a:r>
+              <a:rPr lang="en-US" altLang="zh-CN" sz="2400" dirty="0">
+                <a:solidFill>
+                  <a:srgbClr val="000000"/>
+                </a:solidFill>
+                <a:latin typeface="Arial" charset="0"/>
+                <a:ea typeface="宋体" charset="-122"/>
+              </a:rPr>
+              <a:t>Some amazing features of sensible </a:t>
+            </a:r>
+            <a:r>
+              <a:rPr lang="en-US" altLang="zh-CN" sz="2400" dirty="0" err="1">
+                <a:solidFill>
+                  <a:srgbClr val="000000"/>
+                </a:solidFill>
+                <a:latin typeface="Arial" charset="0"/>
+                <a:ea typeface="宋体" charset="-122"/>
+              </a:rPr>
+              <a:t>php</a:t>
+            </a:r>
+            <a:r>
+              <a:rPr lang="en-US" altLang="zh-CN" sz="2400" dirty="0">
+                <a:solidFill>
+                  <a:srgbClr val="000000"/>
+                </a:solidFill>
+                <a:latin typeface="Arial" charset="0"/>
+                <a:ea typeface="宋体" charset="-122"/>
+              </a:rPr>
+              <a:t> left</a:t>
+            </a:r>
+            <a:endParaRPr lang="en-US" altLang="zh-CN" dirty="0">
+              <a:ea typeface="宋体" charset="-122"/>
+            </a:endParaRPr>
+          </a:p>
+          <a:p>
+            <a:pPr marL="411480" lvl="1" indent="-308610">
+              <a:lnSpc>
+                <a:spcPct val="95000"/>
+              </a:lnSpc>
+              <a:spcBef>
+                <a:spcPct val="0"/>
+              </a:spcBef>
+              <a:buClr>
+                <a:srgbClr val="000000"/>
+              </a:buClr>
+              <a:buFontTx/>
+              <a:buChar char="•"/>
+            </a:pPr>
+            <a:r>
+              <a:rPr lang="en-US" altLang="zh-CN" sz="2400" dirty="0">
+                <a:solidFill>
+                  <a:srgbClr val="000000"/>
+                </a:solidFill>
+                <a:latin typeface="Arial" charset="0"/>
+                <a:ea typeface="宋体" charset="-122"/>
+              </a:rPr>
+              <a:t>Some applications of sensible living left</a:t>
+            </a:r>
+          </a:p>
+        </p:txBody>
+      </p:sp>
+    </p:spTree>
+  </p:cSld>
+  <p:clrMapOvr>
+    <a:masterClrMapping/>
+  </p:clrMapOvr>
+</p:sld>
+</file>
+
+<file path=ppt/slides/slide19.xml><?xml version="1.0" encoding="utf-8"?>
+<p:sld xmlns:a="http://schemas.openxmlformats.org/drawingml/2006/main" xmlns:r="http://schemas.openxmlformats.org/officeDocument/2006/relationships" xmlns:p="http://schemas.openxmlformats.org/presentationml/2006/main">
+  <p:cSld>
+    <p:spTree>
+      <p:nvGrpSpPr>
+        <p:cNvPr id="1" name=""/>
+        <p:cNvGrpSpPr/>
+        <p:nvPr/>
+      </p:nvGrpSpPr>
+      <p:grpSpPr>
+        <a:xfrm>
+          <a:off x="0" y="0"/>
+          <a:ext cx="0" cy="0"/>
+          <a:chOff x="0" y="0"/>
+          <a:chExt cx="0" cy="0"/>
+        </a:xfrm>
+      </p:grpSpPr>
+      <p:sp>
+        <p:nvSpPr>
+          <p:cNvPr id="2" name="Title 1"/>
+          <p:cNvSpPr>
+            <a:spLocks noGrp="1"/>
+          </p:cNvSpPr>
+          <p:nvPr>
+            <p:ph type="title"/>
+          </p:nvPr>
+        </p:nvSpPr>
+        <p:spPr/>
+        <p:txBody>
+          <a:bodyPr/>
+          <a:lstStyle/>
+          <a:p>
+            <a:r>
+              <a:rPr lang="en-US" dirty="0" smtClean="0"/>
+              <a:t>Useful code metrics</a:t>
+            </a:r>
+            <a:endParaRPr lang="en-US" dirty="0"/>
+          </a:p>
+        </p:txBody>
+      </p:sp>
+      <p:sp>
+        <p:nvSpPr>
+          <p:cNvPr id="3" name="Content Placeholder 2"/>
+          <p:cNvSpPr>
+            <a:spLocks noGrp="1"/>
+          </p:cNvSpPr>
+          <p:nvPr>
+            <p:ph idx="1"/>
+          </p:nvPr>
+        </p:nvSpPr>
+        <p:spPr/>
+        <p:txBody>
+          <a:bodyPr/>
+          <a:lstStyle/>
+          <a:p>
+            <a:endParaRPr lang="en-US"/>
+          </a:p>
+        </p:txBody>
+      </p:sp>
+    </p:spTree>
+  </p:cSld>
+  <p:clrMapOvr>
+    <a:masterClrMapping/>
+  </p:clrMapOvr>
+</p:sld>
+</file>
+
 <file path=ppt/slides/slide2.xml><?xml version="1.0" encoding="utf-8"?>
 <p:sld xmlns:a="http://schemas.openxmlformats.org/drawingml/2006/main" xmlns:r="http://schemas.openxmlformats.org/officeDocument/2006/relationships" xmlns:p="http://schemas.openxmlformats.org/presentationml/2006/main">
   <p:cSld>
@@ -3282,11 +4678,7 @@
           <a:p>
             <a:r>
               <a:rPr lang="en-US" dirty="0" smtClean="0"/>
-              <a:t>Flexible </a:t>
-            </a:r>
-            <a:r>
-              <a:rPr lang="en-US" dirty="0" smtClean="0"/>
-              <a:t>role based access control</a:t>
+              <a:t>Flexible role based access control</a:t>
             </a:r>
           </a:p>
           <a:p>
@@ -3508,9 +4900,9 @@
       </p:grpSpPr>
       <p:sp>
         <p:nvSpPr>
-          <p:cNvPr id="2" name="Title 1"/>
-          <p:cNvSpPr>
-            <a:spLocks noGrp="1"/>
+          <p:cNvPr id="3073" name="Rectangle 1"/>
+          <p:cNvSpPr>
+            <a:spLocks noGrp="1" noChangeArrowheads="1"/>
           </p:cNvSpPr>
           <p:nvPr>
             <p:ph type="title"/>
@@ -3518,22 +4910,41 @@
         </p:nvSpPr>
         <p:spPr/>
         <p:txBody>
-          <a:bodyPr/>
-          <a:lstStyle/>
-          <a:p>
-            <a:r>
-              <a:rPr lang="en-US" dirty="0" smtClean="0"/>
-              <a:t>MVC Framework</a:t>
-            </a:r>
-            <a:endParaRPr lang="en-US" dirty="0"/>
-          </a:p>
-        </p:txBody>
-      </p:sp>
-      <p:sp>
-        <p:nvSpPr>
-          <p:cNvPr id="3" name="Content Placeholder 2"/>
-          <p:cNvSpPr>
-            <a:spLocks noGrp="1"/>
+          <a:bodyPr lIns="0" tIns="0" rIns="0" bIns="0" anchor="t">
+            <a:normAutofit/>
+          </a:bodyPr>
+          <a:lstStyle/>
+          <a:p>
+            <a:pPr algn="l">
+              <a:lnSpc>
+                <a:spcPct val="95000"/>
+              </a:lnSpc>
+            </a:pPr>
+            <a:r>
+              <a:rPr lang="en-US" altLang="zh-CN" sz="3900" dirty="0" smtClean="0">
+                <a:solidFill>
+                  <a:srgbClr val="000000"/>
+                </a:solidFill>
+                <a:latin typeface="Arial" charset="0"/>
+                <a:ea typeface="宋体" charset="-122"/>
+              </a:rPr>
+              <a:t>Introduction to Sensible PHP and Sensible Living</a:t>
+            </a:r>
+            <a:endParaRPr lang="en-US" altLang="zh-CN" sz="3900" dirty="0">
+              <a:solidFill>
+                <a:srgbClr val="000000"/>
+              </a:solidFill>
+              <a:latin typeface="Arial" charset="0"/>
+              <a:ea typeface="宋体" charset="-122"/>
+            </a:endParaRPr>
+          </a:p>
+        </p:txBody>
+      </p:sp>
+      <p:sp>
+        <p:nvSpPr>
+          <p:cNvPr id="3074" name="Rectangle 2"/>
+          <p:cNvSpPr>
+            <a:spLocks noGrp="1" noChangeArrowheads="1"/>
           </p:cNvSpPr>
           <p:nvPr>
             <p:ph idx="1"/>
@@ -3541,10 +4952,85 @@
         </p:nvSpPr>
         <p:spPr/>
         <p:txBody>
-          <a:bodyPr/>
-          <a:lstStyle/>
-          <a:p>
-            <a:endParaRPr lang="en-US"/>
+          <a:bodyPr lIns="0" tIns="0" rIns="0" bIns="0"/>
+          <a:lstStyle/>
+          <a:p>
+            <a:pPr marL="0" indent="0">
+              <a:lnSpc>
+                <a:spcPct val="95000"/>
+              </a:lnSpc>
+              <a:spcBef>
+                <a:spcPct val="0"/>
+              </a:spcBef>
+            </a:pPr>
+            <a:r>
+              <a:rPr lang="en-US" altLang="zh-CN" sz="2400" dirty="0" smtClean="0">
+                <a:solidFill>
+                  <a:srgbClr val="000000"/>
+                </a:solidFill>
+                <a:latin typeface="Arial" charset="0"/>
+                <a:ea typeface="宋体" charset="-122"/>
+              </a:rPr>
+              <a:t>Sensible PHP is a small, basic and simple framework,</a:t>
+            </a:r>
+            <a:r>
+              <a:rPr lang="en-US" altLang="zh-CN" sz="2400" dirty="0" smtClean="0">
+                <a:solidFill>
+                  <a:srgbClr val="000000"/>
+                </a:solidFill>
+                <a:latin typeface="Arial" charset="0"/>
+                <a:ea typeface="宋体" charset="-122"/>
+              </a:rPr>
+              <a:t> </a:t>
+            </a:r>
+            <a:r>
+              <a:rPr lang="en-US" altLang="zh-CN" sz="2400" dirty="0" smtClean="0">
+                <a:solidFill>
+                  <a:srgbClr val="000000"/>
+                </a:solidFill>
+                <a:latin typeface="Arial" charset="0"/>
+                <a:ea typeface="宋体" charset="-122"/>
+              </a:rPr>
+              <a:t>and it’s new and great!</a:t>
+            </a:r>
+          </a:p>
+          <a:p>
+            <a:pPr marL="0" indent="0">
+              <a:lnSpc>
+                <a:spcPct val="95000"/>
+              </a:lnSpc>
+              <a:spcBef>
+                <a:spcPct val="0"/>
+              </a:spcBef>
+              <a:buNone/>
+            </a:pPr>
+            <a:endParaRPr lang="en-US" altLang="zh-CN" sz="2400" dirty="0" smtClean="0">
+              <a:solidFill>
+                <a:srgbClr val="000000"/>
+              </a:solidFill>
+              <a:latin typeface="Arial" charset="0"/>
+              <a:ea typeface="宋体" charset="-122"/>
+            </a:endParaRPr>
+          </a:p>
+          <a:p>
+            <a:pPr marL="0" indent="0">
+              <a:lnSpc>
+                <a:spcPct val="95000"/>
+              </a:lnSpc>
+              <a:spcBef>
+                <a:spcPct val="0"/>
+              </a:spcBef>
+            </a:pPr>
+            <a:r>
+              <a:rPr lang="en-US" altLang="zh-CN" sz="2400" dirty="0" smtClean="0">
+                <a:solidFill>
+                  <a:srgbClr val="000000"/>
+                </a:solidFill>
+                <a:latin typeface="Arial" charset="0"/>
+                <a:ea typeface="宋体" charset="-122"/>
+              </a:rPr>
+              <a:t>Sensible Living is the first application of Sensible PHP, based on Sensible PHP, we made a blog and a dictionary to implement the features of Sensible PHP, to test how well Sensible PHP works and deploys in the real projects.</a:t>
+            </a:r>
           </a:p>
         </p:txBody>
       </p:sp>
@@ -3575,9 +5061,9 @@
       </p:grpSpPr>
       <p:sp>
         <p:nvSpPr>
-          <p:cNvPr id="2" name="Title 1"/>
-          <p:cNvSpPr>
-            <a:spLocks noGrp="1"/>
+          <p:cNvPr id="4097" name="Rectangle 1"/>
+          <p:cNvSpPr>
+            <a:spLocks noGrp="1" noChangeArrowheads="1"/>
           </p:cNvSpPr>
           <p:nvPr>
             <p:ph type="title"/>
@@ -3585,22 +5071,32 @@
         </p:nvSpPr>
         <p:spPr/>
         <p:txBody>
-          <a:bodyPr/>
-          <a:lstStyle/>
-          <a:p>
-            <a:r>
-              <a:rPr lang="en-US" dirty="0" smtClean="0"/>
-              <a:t>Some design patterns…</a:t>
-            </a:r>
-            <a:endParaRPr lang="en-US" dirty="0"/>
-          </a:p>
-        </p:txBody>
-      </p:sp>
-      <p:sp>
-        <p:nvSpPr>
-          <p:cNvPr id="3" name="Content Placeholder 2"/>
-          <p:cNvSpPr>
-            <a:spLocks noGrp="1"/>
+          <a:bodyPr lIns="0" tIns="0" rIns="0" bIns="0" anchor="t"/>
+          <a:lstStyle/>
+          <a:p>
+            <a:pPr algn="l">
+              <a:lnSpc>
+                <a:spcPct val="95000"/>
+              </a:lnSpc>
+            </a:pPr>
+            <a:r>
+              <a:rPr lang="en-US" altLang="zh-CN" sz="3900" dirty="0">
+                <a:solidFill>
+                  <a:srgbClr val="000000"/>
+                </a:solidFill>
+                <a:latin typeface="Arial" charset="0"/>
+                <a:ea typeface="宋体" charset="-122"/>
+              </a:rPr>
+              <a:t>Features</a:t>
+            </a:r>
+          </a:p>
+        </p:txBody>
+      </p:sp>
+      <p:sp>
+        <p:nvSpPr>
+          <p:cNvPr id="4098" name="Rectangle 2"/>
+          <p:cNvSpPr>
+            <a:spLocks noGrp="1" noChangeArrowheads="1"/>
           </p:cNvSpPr>
           <p:nvPr>
             <p:ph idx="1"/>
@@ -3608,10 +5104,103 @@
         </p:nvSpPr>
         <p:spPr/>
         <p:txBody>
-          <a:bodyPr/>
-          <a:lstStyle/>
-          <a:p>
-            <a:endParaRPr lang="en-US"/>
+          <a:bodyPr lIns="0" tIns="0" rIns="0" bIns="0"/>
+          <a:lstStyle/>
+          <a:p>
+            <a:pPr marL="411480" lvl="1" indent="-308610">
+              <a:lnSpc>
+                <a:spcPct val="95000"/>
+              </a:lnSpc>
+              <a:spcBef>
+                <a:spcPct val="0"/>
+              </a:spcBef>
+              <a:buClr>
+                <a:srgbClr val="000000"/>
+              </a:buClr>
+              <a:buFontTx/>
+              <a:buChar char="•"/>
+            </a:pPr>
+            <a:r>
+              <a:rPr lang="en-US" altLang="zh-CN" sz="2400" dirty="0" smtClean="0">
+                <a:solidFill>
+                  <a:srgbClr val="000000"/>
+                </a:solidFill>
+                <a:latin typeface="Arial" charset="0"/>
+                <a:ea typeface="宋体" charset="-122"/>
+              </a:rPr>
+              <a:t>Easily initialize the project, create applications and sync with database.</a:t>
+            </a:r>
+          </a:p>
+          <a:p>
+            <a:pPr marL="411480" lvl="1" indent="-308610">
+              <a:lnSpc>
+                <a:spcPct val="95000"/>
+              </a:lnSpc>
+              <a:spcBef>
+                <a:spcPct val="0"/>
+              </a:spcBef>
+              <a:buClr>
+                <a:srgbClr val="000000"/>
+              </a:buClr>
+              <a:buFontTx/>
+              <a:buChar char="•"/>
+            </a:pPr>
+            <a:r>
+              <a:rPr lang="en-US" altLang="zh-CN" sz="2400" dirty="0" smtClean="0">
+                <a:solidFill>
+                  <a:srgbClr val="000000"/>
+                </a:solidFill>
+                <a:latin typeface="Arial" charset="0"/>
+                <a:ea typeface="宋体" charset="-122"/>
+              </a:rPr>
+              <a:t>Easily modify the models, and write controllers, additional database logics and views.</a:t>
+            </a:r>
+          </a:p>
+          <a:p>
+            <a:pPr marL="411480" lvl="1" indent="-308610">
+              <a:lnSpc>
+                <a:spcPct val="95000"/>
+              </a:lnSpc>
+              <a:spcBef>
+                <a:spcPct val="0"/>
+              </a:spcBef>
+              <a:buClr>
+                <a:srgbClr val="000000"/>
+              </a:buClr>
+              <a:buFontTx/>
+              <a:buChar char="•"/>
+            </a:pPr>
+            <a:r>
+              <a:rPr lang="en-US" altLang="zh-CN" sz="2400" dirty="0" smtClean="0">
+                <a:solidFill>
+                  <a:srgbClr val="000000"/>
+                </a:solidFill>
+                <a:latin typeface="Arial" charset="0"/>
+                <a:ea typeface="宋体" charset="-122"/>
+              </a:rPr>
+              <a:t>Flexible in coding, reuse and deployment.</a:t>
+            </a:r>
+          </a:p>
+          <a:p>
+            <a:pPr marL="411480" lvl="1" indent="-308610">
+              <a:lnSpc>
+                <a:spcPct val="95000"/>
+              </a:lnSpc>
+              <a:spcBef>
+                <a:spcPct val="0"/>
+              </a:spcBef>
+              <a:buClr>
+                <a:srgbClr val="000000"/>
+              </a:buClr>
+              <a:buNone/>
+            </a:pPr>
+            <a:endParaRPr lang="en-US" altLang="zh-CN" sz="2400" dirty="0">
+              <a:solidFill>
+                <a:srgbClr val="000000"/>
+              </a:solidFill>
+              <a:latin typeface="Arial" charset="0"/>
+              <a:ea typeface="宋体" charset="-122"/>
+            </a:endParaRPr>
           </a:p>
         </p:txBody>
       </p:sp>
@@ -3652,14 +5241,89 @@
         </p:nvSpPr>
         <p:spPr/>
         <p:txBody>
-          <a:bodyPr/>
-          <a:lstStyle/>
-          <a:p>
-            <a:r>
-              <a:rPr lang="en-US" dirty="0" smtClean="0"/>
-              <a:t>Useful code metrics</a:t>
-            </a:r>
-            <a:endParaRPr lang="en-US" dirty="0"/>
+          <a:bodyPr>
+            <a:normAutofit/>
+          </a:bodyPr>
+          <a:lstStyle/>
+          <a:p>
+            <a:r>
+              <a:rPr lang="en-US" altLang="zh-CN" dirty="0" smtClean="0"/>
+              <a:t>Class Diagram</a:t>
+            </a:r>
+            <a:endParaRPr lang="zh-CN" altLang="en-US" dirty="0"/>
+          </a:p>
+        </p:txBody>
+      </p:sp>
+      <p:pic>
+        <p:nvPicPr>
+          <p:cNvPr id="4" name="Content Placeholder 3" descr="class_diagram.jpg"/>
+          <p:cNvPicPr>
+            <a:picLocks noGrp="1" noChangeAspect="1"/>
+          </p:cNvPicPr>
+          <p:nvPr>
+            <p:ph idx="1"/>
+          </p:nvPr>
+        </p:nvPicPr>
+        <p:blipFill>
+          <a:blip r:embed="rId2"/>
+          <a:stretch>
+            <a:fillRect/>
+          </a:stretch>
+        </p:blipFill>
+        <p:spPr>
+          <a:xfrm>
+            <a:off x="457200" y="2440621"/>
+            <a:ext cx="8229600" cy="2845120"/>
+          </a:xfrm>
+        </p:spPr>
+      </p:pic>
+    </p:spTree>
+  </p:cSld>
+  <p:clrMapOvr>
+    <a:masterClrMapping/>
+  </p:clrMapOvr>
+</p:sld>
+</file>
+
+<file path=ppt/slides/slide8.xml><?xml version="1.0" encoding="utf-8"?>
+<p:sld xmlns:a="http://schemas.openxmlformats.org/drawingml/2006/main" xmlns:r="http://schemas.openxmlformats.org/officeDocument/2006/relationships" xmlns:p="http://schemas.openxmlformats.org/presentationml/2006/main">
+  <p:cSld>
+    <p:spTree>
+      <p:nvGrpSpPr>
+        <p:cNvPr id="1" name=""/>
+        <p:cNvGrpSpPr/>
+        <p:nvPr/>
+      </p:nvGrpSpPr>
+      <p:grpSpPr>
+        <a:xfrm>
+          <a:off x="0" y="0"/>
+          <a:ext cx="0" cy="0"/>
+          <a:chOff x="0" y="0"/>
+          <a:chExt cx="0" cy="0"/>
+        </a:xfrm>
+      </p:grpSpPr>
+      <p:sp>
+        <p:nvSpPr>
+          <p:cNvPr id="2" name="Title 1"/>
+          <p:cNvSpPr>
+            <a:spLocks noGrp="1"/>
+          </p:cNvSpPr>
+          <p:nvPr>
+            <p:ph type="title"/>
+          </p:nvPr>
+        </p:nvSpPr>
+        <p:spPr/>
+        <p:txBody>
+          <a:bodyPr>
+            <a:normAutofit/>
+          </a:bodyPr>
+          <a:lstStyle/>
+          <a:p>
+            <a:r>
+              <a:rPr lang="en-US" altLang="zh-CN" dirty="0" smtClean="0"/>
+              <a:t>Action Flow Diagram</a:t>
+            </a:r>
+            <a:endParaRPr lang="zh-CN" altLang="en-US" dirty="0"/>
           </a:p>
         </p:txBody>
       </p:sp>
@@ -3678,7 +5342,106 @@
           <a:bodyPr/>
           <a:lstStyle/>
           <a:p>
-            <a:endParaRPr lang="en-US"/>
+            <a:r>
+              <a:rPr lang="en-US" altLang="zh-CN" dirty="0" smtClean="0"/>
+              <a:t>&lt;image needed&gt;</a:t>
+            </a:r>
+            <a:endParaRPr lang="zh-CN" altLang="en-US" dirty="0"/>
+          </a:p>
+        </p:txBody>
+      </p:sp>
+    </p:spTree>
+  </p:cSld>
+  <p:clrMapOvr>
+    <a:masterClrMapping/>
+  </p:clrMapOvr>
+</p:sld>
+</file>
+
+<file path=ppt/slides/slide9.xml><?xml version="1.0" encoding="utf-8"?>
+<p:sld xmlns:a="http://schemas.openxmlformats.org/drawingml/2006/main" xmlns:r="http://schemas.openxmlformats.org/officeDocument/2006/relationships" xmlns:p="http://schemas.openxmlformats.org/presentationml/2006/main">
+  <p:cSld>
+    <p:spTree>
+      <p:nvGrpSpPr>
+        <p:cNvPr id="1" name=""/>
+        <p:cNvGrpSpPr/>
+        <p:nvPr/>
+      </p:nvGrpSpPr>
+      <p:grpSpPr>
+        <a:xfrm>
+          <a:off x="0" y="0"/>
+          <a:ext cx="0" cy="0"/>
+          <a:chOff x="0" y="0"/>
+          <a:chExt cx="0" cy="0"/>
+        </a:xfrm>
+      </p:grpSpPr>
+      <p:sp>
+        <p:nvSpPr>
+          <p:cNvPr id="5121" name="Rectangle 1"/>
+          <p:cNvSpPr>
+            <a:spLocks noGrp="1" noChangeArrowheads="1"/>
+          </p:cNvSpPr>
+          <p:nvPr>
+            <p:ph type="title"/>
+          </p:nvPr>
+        </p:nvSpPr>
+        <p:spPr/>
+        <p:txBody>
+          <a:bodyPr lIns="0" tIns="0" rIns="0" bIns="0" anchor="t"/>
+          <a:lstStyle/>
+          <a:p>
+            <a:pPr>
+              <a:lnSpc>
+                <a:spcPct val="95000"/>
+              </a:lnSpc>
+            </a:pPr>
+            <a:r>
+              <a:rPr lang="en-US" altLang="zh-CN" sz="3900" dirty="0">
+                <a:solidFill>
+                  <a:srgbClr val="000000"/>
+                </a:solidFill>
+                <a:latin typeface="Arial" charset="0"/>
+                <a:ea typeface="宋体" charset="-122"/>
+              </a:rPr>
+              <a:t>Design Principles</a:t>
+            </a:r>
+          </a:p>
+        </p:txBody>
+      </p:sp>
+      <p:sp>
+        <p:nvSpPr>
+          <p:cNvPr id="5122" name="Rectangle 2"/>
+          <p:cNvSpPr>
+            <a:spLocks noGrp="1" noChangeArrowheads="1"/>
+          </p:cNvSpPr>
+          <p:nvPr>
+            <p:ph idx="1"/>
+          </p:nvPr>
+        </p:nvSpPr>
+        <p:spPr/>
+        <p:txBody>
+          <a:bodyPr lIns="0" tIns="0" rIns="0" bIns="0"/>
+          <a:lstStyle/>
+          <a:p>
+            <a:pPr marL="0" indent="0">
+              <a:lnSpc>
+                <a:spcPct val="95000"/>
+              </a:lnSpc>
+              <a:spcBef>
+                <a:spcPct val="0"/>
+              </a:spcBef>
+              <a:buNone/>
+            </a:pPr>
+            <a:r>
+              <a:rPr lang="en-US" altLang="zh-CN" sz="2400" dirty="0">
+                <a:solidFill>
+                  <a:srgbClr val="000000"/>
+                </a:solidFill>
+                <a:latin typeface="Arial" charset="0"/>
+                <a:ea typeface="宋体" charset="-122"/>
+              </a:rPr>
+              <a:t> </a:t>
+            </a:r>
           </a:p>
         </p:txBody>
       </p:sp>

--- a/FinalProjectPresentation.pptx
+++ b/FinalProjectPresentation.pptx
@@ -6,7 +6,7 @@
   </p:sldMasterIdLst>
   <p:sldIdLst>
     <p:sldId id="256" r:id="rId2"/>
-    <p:sldId id="257" r:id="rId3"/>
+    <p:sldId id="279" r:id="rId3"/>
     <p:sldId id="258" r:id="rId4"/>
     <p:sldId id="259" r:id="rId5"/>
     <p:sldId id="264" r:id="rId6"/>
@@ -3575,11 +3575,7 @@
             </a:pPr>
             <a:r>
               <a:rPr lang="en-US" sz="2400" dirty="0" smtClean="0"/>
-              <a:t>P</a:t>
-            </a:r>
-            <a:r>
-              <a:rPr lang="en-US" sz="2400" dirty="0" smtClean="0"/>
-              <a:t>ackage</a:t>
+              <a:t>Package</a:t>
             </a:r>
           </a:p>
           <a:p>
@@ -3593,11 +3589,7 @@
             </a:pPr>
             <a:r>
               <a:rPr lang="en-US" sz="2400" dirty="0" smtClean="0"/>
-              <a:t>C</a:t>
-            </a:r>
-            <a:r>
-              <a:rPr lang="en-US" sz="2400" dirty="0" smtClean="0"/>
-              <a:t>omponent</a:t>
+              <a:t>Component</a:t>
             </a:r>
             <a:endParaRPr lang="en-US" altLang="zh-CN" sz="2400" dirty="0">
               <a:solidFill>
@@ -3835,7 +3827,7 @@
           </p:nvPr>
         </p:nvPicPr>
         <p:blipFill>
-          <a:blip r:embed="rId2"/>
+          <a:blip r:embed="rId2" cstate="print"/>
           <a:srcRect/>
           <a:stretch>
             <a:fillRect/>
@@ -3935,7 +3927,7 @@
           </p:nvPr>
         </p:nvPicPr>
         <p:blipFill>
-          <a:blip r:embed="rId2"/>
+          <a:blip r:embed="rId2" cstate="print"/>
           <a:srcRect/>
           <a:stretch>
             <a:fillRect/>
@@ -4052,7 +4044,7 @@
           <p:nvPr/>
         </p:nvPicPr>
         <p:blipFill>
-          <a:blip r:embed="rId2"/>
+          <a:blip r:embed="rId2" cstate="print"/>
           <a:srcRect/>
           <a:stretch>
             <a:fillRect/>
@@ -4078,7 +4070,7 @@
           <p:nvPr/>
         </p:nvPicPr>
         <p:blipFill>
-          <a:blip r:embed="rId3"/>
+          <a:blip r:embed="rId3" cstate="print"/>
           <a:srcRect/>
           <a:stretch>
             <a:fillRect/>
@@ -4558,7 +4550,7 @@
           <a:p>
             <a:r>
               <a:rPr lang="en-US" dirty="0" smtClean="0"/>
-              <a:t>AGILE</a:t>
+              <a:t>Why we used AGILE</a:t>
             </a:r>
             <a:endParaRPr lang="en-US" dirty="0"/>
           </a:p>
@@ -4566,20 +4558,195 @@
       </p:sp>
       <p:sp>
         <p:nvSpPr>
-          <p:cNvPr id="3" name="Content Placeholder 2"/>
-          <p:cNvSpPr>
-            <a:spLocks noGrp="1"/>
-          </p:cNvSpPr>
-          <p:nvPr>
-            <p:ph idx="1"/>
-          </p:nvPr>
-        </p:nvSpPr>
-        <p:spPr/>
-        <p:txBody>
-          <a:bodyPr/>
-          <a:lstStyle/>
-          <a:p>
-            <a:endParaRPr lang="en-US"/>
+          <p:cNvPr id="4" name="Text Placeholder 3"/>
+          <p:cNvSpPr>
+            <a:spLocks noGrp="1"/>
+          </p:cNvSpPr>
+          <p:nvPr>
+            <p:ph type="body" idx="1"/>
+          </p:nvPr>
+        </p:nvSpPr>
+        <p:spPr/>
+        <p:txBody>
+          <a:bodyPr/>
+          <a:lstStyle/>
+          <a:p>
+            <a:endParaRPr lang="en-US"/>
+          </a:p>
+        </p:txBody>
+      </p:sp>
+      <p:sp>
+        <p:nvSpPr>
+          <p:cNvPr id="5" name="Content Placeholder 4"/>
+          <p:cNvSpPr>
+            <a:spLocks noGrp="1"/>
+          </p:cNvSpPr>
+          <p:nvPr>
+            <p:ph sz="half" idx="2"/>
+          </p:nvPr>
+        </p:nvSpPr>
+        <p:spPr/>
+        <p:txBody>
+          <a:bodyPr>
+            <a:normAutofit lnSpcReduction="10000"/>
+          </a:bodyPr>
+          <a:lstStyle/>
+          <a:p>
+            <a:r>
+              <a:rPr lang="en-US" dirty="0" smtClean="0"/>
+              <a:t>Agile has less limitations than traditional plan-driven methodologies</a:t>
+            </a:r>
+          </a:p>
+          <a:p>
+            <a:r>
+              <a:rPr lang="en-US" dirty="0" smtClean="0"/>
+              <a:t>We favor:</a:t>
+            </a:r>
+          </a:p>
+          <a:p>
+            <a:pPr lvl="1" eaLnBrk="0" hangingPunct="0">
+              <a:lnSpc>
+                <a:spcPct val="90000"/>
+              </a:lnSpc>
+              <a:spcBef>
+                <a:spcPts val="300"/>
+              </a:spcBef>
+              <a:buFontTx/>
+              <a:buChar char="•"/>
+            </a:pPr>
+            <a:r>
+              <a:rPr lang="en-US" dirty="0" smtClean="0"/>
+              <a:t>Individuals and interactions over processes and tools </a:t>
+            </a:r>
+          </a:p>
+          <a:p>
+            <a:pPr lvl="1" eaLnBrk="0" hangingPunct="0">
+              <a:lnSpc>
+                <a:spcPct val="90000"/>
+              </a:lnSpc>
+              <a:spcBef>
+                <a:spcPts val="300"/>
+              </a:spcBef>
+              <a:buFontTx/>
+              <a:buChar char="•"/>
+            </a:pPr>
+            <a:r>
+              <a:rPr lang="en-US" dirty="0" smtClean="0"/>
+              <a:t>Working software over comprehensive documentation </a:t>
+            </a:r>
+          </a:p>
+          <a:p>
+            <a:pPr lvl="1" eaLnBrk="0" hangingPunct="0">
+              <a:lnSpc>
+                <a:spcPct val="90000"/>
+              </a:lnSpc>
+              <a:spcBef>
+                <a:spcPts val="300"/>
+              </a:spcBef>
+              <a:buFontTx/>
+              <a:buChar char="•"/>
+            </a:pPr>
+            <a:r>
+              <a:rPr lang="en-US" dirty="0" smtClean="0"/>
+              <a:t>Customer collaboration over contract negotiation </a:t>
+            </a:r>
+          </a:p>
+          <a:p>
+            <a:pPr lvl="1" eaLnBrk="0" hangingPunct="0">
+              <a:lnSpc>
+                <a:spcPct val="90000"/>
+              </a:lnSpc>
+              <a:spcBef>
+                <a:spcPts val="300"/>
+              </a:spcBef>
+              <a:buFontTx/>
+              <a:buChar char="•"/>
+            </a:pPr>
+            <a:r>
+              <a:rPr lang="en-US" dirty="0" smtClean="0"/>
+              <a:t>Responding to change over following a plan </a:t>
+            </a:r>
+          </a:p>
+          <a:p>
+            <a:endParaRPr lang="en-US" dirty="0" smtClean="0"/>
+          </a:p>
+        </p:txBody>
+      </p:sp>
+      <p:sp>
+        <p:nvSpPr>
+          <p:cNvPr id="6" name="Text Placeholder 5"/>
+          <p:cNvSpPr>
+            <a:spLocks noGrp="1"/>
+          </p:cNvSpPr>
+          <p:nvPr>
+            <p:ph type="body" sz="quarter" idx="3"/>
+          </p:nvPr>
+        </p:nvSpPr>
+        <p:spPr/>
+        <p:txBody>
+          <a:bodyPr/>
+          <a:lstStyle/>
+          <a:p>
+            <a:endParaRPr lang="en-US"/>
+          </a:p>
+        </p:txBody>
+      </p:sp>
+      <p:sp>
+        <p:nvSpPr>
+          <p:cNvPr id="7" name="Content Placeholder 6"/>
+          <p:cNvSpPr>
+            <a:spLocks noGrp="1"/>
+          </p:cNvSpPr>
+          <p:nvPr>
+            <p:ph sz="quarter" idx="4"/>
+          </p:nvPr>
+        </p:nvSpPr>
+        <p:spPr/>
+        <p:txBody>
+          <a:bodyPr>
+            <a:normAutofit/>
+          </a:bodyPr>
+          <a:lstStyle/>
+          <a:p>
+            <a:endParaRPr lang="en-US" dirty="0" smtClean="0"/>
+          </a:p>
+          <a:p>
+            <a:endParaRPr lang="en-US" dirty="0" smtClean="0"/>
+          </a:p>
+          <a:p>
+            <a:endParaRPr lang="en-US" sz="2000" dirty="0" smtClean="0"/>
+          </a:p>
+          <a:p>
+            <a:r>
+              <a:rPr lang="en-US" sz="2000" dirty="0" smtClean="0"/>
+              <a:t>We collaborated thru our google group, google wave, redmine</a:t>
+            </a:r>
+          </a:p>
+          <a:p>
+            <a:r>
+              <a:rPr lang="en-US" sz="2000" dirty="0" smtClean="0"/>
+              <a:t>Self-documenting code</a:t>
+            </a:r>
+          </a:p>
+          <a:p>
+            <a:r>
+              <a:rPr lang="en-US" sz="2000" dirty="0" smtClean="0"/>
+              <a:t>Made SRS at start of semester,  responded to clients' requests</a:t>
+            </a:r>
+          </a:p>
+          <a:p>
+            <a:r>
+              <a:rPr lang="en-US" sz="2000" dirty="0" smtClean="0"/>
+              <a:t>Instead of using a </a:t>
+            </a:r>
+            <a:r>
+              <a:rPr lang="en-US" sz="2000" dirty="0" err="1" smtClean="0"/>
+              <a:t>ghant</a:t>
+            </a:r>
+            <a:r>
+              <a:rPr lang="en-US" sz="2000" dirty="0" smtClean="0"/>
+              <a:t> chart, we based what to do off of key importance</a:t>
+            </a:r>
           </a:p>
         </p:txBody>
       </p:sp>
@@ -4971,27 +5138,7 @@
                 <a:latin typeface="Arial" charset="0"/>
                 <a:ea typeface="宋体" charset="-122"/>
               </a:rPr>
-              <a:t>Sensible PHP is a small, basic and simple framework,</a:t>
-            </a:r>
-            <a:r>
-              <a:rPr lang="en-US" altLang="zh-CN" sz="2400" dirty="0" smtClean="0">
-                <a:solidFill>
-                  <a:srgbClr val="000000"/>
-                </a:solidFill>
-                <a:latin typeface="Arial" charset="0"/>
-                <a:ea typeface="宋体" charset="-122"/>
-              </a:rPr>
-              <a:t> </a:t>
-            </a:r>
-            <a:r>
-              <a:rPr lang="en-US" altLang="zh-CN" sz="2400" dirty="0" smtClean="0">
-                <a:solidFill>
-                  <a:srgbClr val="000000"/>
-                </a:solidFill>
-                <a:latin typeface="Arial" charset="0"/>
-                <a:ea typeface="宋体" charset="-122"/>
-              </a:rPr>
-              <a:t>and it’s new and great!</a:t>
+              <a:t>Sensible PHP is a small, basic and simple framework, and it’s new and great!</a:t>
             </a:r>
           </a:p>
           <a:p>
@@ -5265,7 +5412,7 @@
           </p:nvPr>
         </p:nvPicPr>
         <p:blipFill>
-          <a:blip r:embed="rId2"/>
+          <a:blip r:embed="rId2" cstate="print"/>
           <a:stretch>
             <a:fillRect/>
           </a:stretch>
